--- a/CS_08_Template/CS_08_template.pptx
+++ b/CS_08_Template/CS_08_template.pptx
@@ -8,6 +8,7 @@
     <p:sldId id="256" r:id="rId2"/>
     <p:sldId id="257" r:id="rId3"/>
     <p:sldId id="258" r:id="rId4"/>
+    <p:sldId id="259" r:id="rId5"/>
   </p:sldIdLst>
   <p:sldSz cx="9144000" cy="6858000" type="screen4x3"/>
   <p:notesSz cx="6858000" cy="9144000"/>
@@ -3239,31 +3240,6 @@
           </a:p>
         </p:txBody>
       </p:sp>
-      <p:sp>
-        <p:nvSpPr>
-          <p:cNvPr id="4" name="Date Placeholder 3"/>
-          <p:cNvSpPr>
-            <a:spLocks noGrp="1"/>
-          </p:cNvSpPr>
-          <p:nvPr>
-            <p:ph type="dt" sz="half" idx="10"/>
-          </p:nvPr>
-        </p:nvSpPr>
-        <p:spPr/>
-        <p:txBody>
-          <a:bodyPr/>
-          <a:lstStyle/>
-          <a:p>
-            <a:pPr lvl="0" marL="0" indent="0">
-              <a:buNone/>
-            </a:pPr>
-            <a:r>
-              <a:rPr/>
-              <a:t>10/9/2019</a:t>
-            </a:r>
-          </a:p>
-        </p:txBody>
-      </p:sp>
     </p:spTree>
   </p:cSld>
 </p:sld>
@@ -3500,6 +3476,55 @@
           </a:p>
         </p:txBody>
       </p:sp>
+      <p:sp>
+        <p:nvSpPr>
+          <p:cNvPr id="3" name="Content Placeholder 2"/>
+          <p:cNvSpPr>
+            <a:spLocks noGrp="1"/>
+          </p:cNvSpPr>
+          <p:nvPr>
+            <p:ph idx="1"/>
+          </p:nvPr>
+        </p:nvSpPr>
+        <p:spPr/>
+        <p:txBody>
+          <a:bodyPr/>
+          <a:lstStyle/>
+          <a:p>
+            <a:pPr lvl="0" marL="1270000" indent="0">
+              <a:buNone/>
+            </a:pPr>
+            <a:r>
+              <a:rPr sz="1800">
+                <a:latin typeface="Courier"/>
+              </a:rPr>
+              <a:t>## save_kable will have the best result with magick installed.</a:t>
+            </a:r>
+          </a:p>
+        </p:txBody>
+      </p:sp>
+    </p:spTree>
+  </p:cSld>
+</p:sld>
+</file>
+
+<file path=ppt/slides/slide4.xml><?xml version="1.0" encoding="utf-8"?>
+<p:sld xmlns:a="http://schemas.openxmlformats.org/drawingml/2006/main" xmlns:r="http://schemas.openxmlformats.org/officeDocument/2006/relationships" xmlns:p="http://schemas.openxmlformats.org/presentationml/2006/main">
+  <p:cSld>
+    <p:spTree>
+      <p:nvGrpSpPr>
+        <p:cNvPr id="1" name=""/>
+        <p:cNvGrpSpPr/>
+        <p:nvPr/>
+      </p:nvGrpSpPr>
+      <p:grpSpPr>
+        <a:xfrm>
+          <a:off x="0" y="0"/>
+          <a:ext cx="0" cy="0"/>
+          <a:chOff x="0" y="0"/>
+          <a:chExt cx="0" cy="0"/>
+        </a:xfrm>
+      </p:grpSpPr>
       <p:pic>
         <p:nvPicPr>
           <p:cNvPr descr="table.png" id="0" name="Picture 1"/>
@@ -3516,8 +3541,8 @@
         </p:blipFill>
         <p:spPr bwMode="auto">
           <a:xfrm>
-            <a:off x="457200" y="3048000"/>
-            <a:ext cx="8229600" cy="1612900"/>
+            <a:off x="1562100" y="1600200"/>
+            <a:ext cx="6032500" cy="4521200"/>
           </a:xfrm>
           <a:prstGeom prst="rect">
             <a:avLst/>
